--- a/Presentation.pptx
+++ b/Presentation.pptx
@@ -884,8 +884,13 @@
           <a:p>
             <a:r>
               <a:rPr lang="en-US" dirty="0"/>
-              <a:t>This is how the computer vision went, it managed to completely recognize as indicatorid by the bars at the bottom that the grass on the left was feedable, the two in the middle are average and the one on the right is pretty poor.</a:t>
-            </a:r>
+              <a:t>This is how the computer vision went, it managed to completely recognize, as indicated by the bars at the bottom, that the grass on the left was feedable, the two in the middle are average and the one on the right is pretty poor. This seems pretty inline with how this </a:t>
+            </a:r>
+            <a:r>
+              <a:rPr lang="en-US"/>
+              <a:t>grass looks.</a:t>
+            </a:r>
+            <a:endParaRPr lang="en-US" dirty="0"/>
           </a:p>
         </p:txBody>
       </p:sp>
